--- a/Cryptography and Network Security/Lecture-06.pptx
+++ b/Cryptography and Network Security/Lecture-06.pptx
@@ -22,7 +22,8 @@
     <p:sldId id="328" r:id="rId16"/>
     <p:sldId id="329" r:id="rId17"/>
     <p:sldId id="330" r:id="rId18"/>
-    <p:sldId id="278" r:id="rId19"/>
+    <p:sldId id="331" r:id="rId19"/>
+    <p:sldId id="278" r:id="rId20"/>
   </p:sldIdLst>
   <p:sldSz cx="12192000" cy="6858000"/>
   <p:notesSz cx="6858000" cy="9144000"/>
@@ -258,7 +259,7 @@
           <a:p>
             <a:fld id="{562AAFDF-58C4-4675-8820-9C115A5D04DB}" type="datetimeFigureOut">
               <a:rPr lang="en-US" smtClean="0"/>
-              <a:t>1/17/2023</a:t>
+              <a:t>3/2/2023</a:t>
             </a:fld>
             <a:endParaRPr lang="en-US"/>
           </a:p>
@@ -426,7 +427,7 @@
           <a:p>
             <a:fld id="{562AAFDF-58C4-4675-8820-9C115A5D04DB}" type="datetimeFigureOut">
               <a:rPr lang="en-US" smtClean="0"/>
-              <a:t>1/17/2023</a:t>
+              <a:t>3/2/2023</a:t>
             </a:fld>
             <a:endParaRPr lang="en-US"/>
           </a:p>
@@ -604,7 +605,7 @@
           <a:p>
             <a:fld id="{562AAFDF-58C4-4675-8820-9C115A5D04DB}" type="datetimeFigureOut">
               <a:rPr lang="en-US" smtClean="0"/>
-              <a:t>1/17/2023</a:t>
+              <a:t>3/2/2023</a:t>
             </a:fld>
             <a:endParaRPr lang="en-US"/>
           </a:p>
@@ -772,7 +773,7 @@
           <a:p>
             <a:fld id="{562AAFDF-58C4-4675-8820-9C115A5D04DB}" type="datetimeFigureOut">
               <a:rPr lang="en-US" smtClean="0"/>
-              <a:t>1/17/2023</a:t>
+              <a:t>3/2/2023</a:t>
             </a:fld>
             <a:endParaRPr lang="en-US"/>
           </a:p>
@@ -1017,7 +1018,7 @@
           <a:p>
             <a:fld id="{562AAFDF-58C4-4675-8820-9C115A5D04DB}" type="datetimeFigureOut">
               <a:rPr lang="en-US" smtClean="0"/>
-              <a:t>1/17/2023</a:t>
+              <a:t>3/2/2023</a:t>
             </a:fld>
             <a:endParaRPr lang="en-US"/>
           </a:p>
@@ -1246,7 +1247,7 @@
           <a:p>
             <a:fld id="{562AAFDF-58C4-4675-8820-9C115A5D04DB}" type="datetimeFigureOut">
               <a:rPr lang="en-US" smtClean="0"/>
-              <a:t>1/17/2023</a:t>
+              <a:t>3/2/2023</a:t>
             </a:fld>
             <a:endParaRPr lang="en-US"/>
           </a:p>
@@ -1610,7 +1611,7 @@
           <a:p>
             <a:fld id="{562AAFDF-58C4-4675-8820-9C115A5D04DB}" type="datetimeFigureOut">
               <a:rPr lang="en-US" smtClean="0"/>
-              <a:t>1/17/2023</a:t>
+              <a:t>3/2/2023</a:t>
             </a:fld>
             <a:endParaRPr lang="en-US"/>
           </a:p>
@@ -1727,7 +1728,7 @@
           <a:p>
             <a:fld id="{562AAFDF-58C4-4675-8820-9C115A5D04DB}" type="datetimeFigureOut">
               <a:rPr lang="en-US" smtClean="0"/>
-              <a:t>1/17/2023</a:t>
+              <a:t>3/2/2023</a:t>
             </a:fld>
             <a:endParaRPr lang="en-US"/>
           </a:p>
@@ -1822,7 +1823,7 @@
           <a:p>
             <a:fld id="{562AAFDF-58C4-4675-8820-9C115A5D04DB}" type="datetimeFigureOut">
               <a:rPr lang="en-US" smtClean="0"/>
-              <a:t>1/17/2023</a:t>
+              <a:t>3/2/2023</a:t>
             </a:fld>
             <a:endParaRPr lang="en-US"/>
           </a:p>
@@ -2097,7 +2098,7 @@
           <a:p>
             <a:fld id="{562AAFDF-58C4-4675-8820-9C115A5D04DB}" type="datetimeFigureOut">
               <a:rPr lang="en-US" smtClean="0"/>
-              <a:t>1/17/2023</a:t>
+              <a:t>3/2/2023</a:t>
             </a:fld>
             <a:endParaRPr lang="en-US"/>
           </a:p>
@@ -2349,7 +2350,7 @@
           <a:p>
             <a:fld id="{562AAFDF-58C4-4675-8820-9C115A5D04DB}" type="datetimeFigureOut">
               <a:rPr lang="en-US" smtClean="0"/>
-              <a:t>1/17/2023</a:t>
+              <a:t>3/2/2023</a:t>
             </a:fld>
             <a:endParaRPr lang="en-US"/>
           </a:p>
@@ -2569,7 +2570,7 @@
           <a:p>
             <a:fld id="{562AAFDF-58C4-4675-8820-9C115A5D04DB}" type="datetimeFigureOut">
               <a:rPr lang="en-US" smtClean="0"/>
-              <a:t>1/17/2023</a:t>
+              <a:t>3/2/2023</a:t>
             </a:fld>
             <a:endParaRPr lang="en-US"/>
           </a:p>
@@ -3005,6 +3006,16 @@
               </a:rPr>
               <a:t>Transposition Cipher</a:t>
             </a:r>
+            <a:r>
+              <a:rPr lang="en-AU" altLang="en-US" b="1" dirty="0">
+                <a:solidFill>
+                  <a:srgbClr val="002060"/>
+                </a:solidFill>
+                <a:latin typeface="Bookman Old Style" panose="02050604050505020204" pitchFamily="18" charset="0"/>
+                <a:cs typeface="Times New Roman" panose="02020603050405020304" pitchFamily="18" charset="0"/>
+              </a:rPr>
+              <a:t/>
+            </a:r>
             <a:br>
               <a:rPr lang="en-AU" altLang="en-US" b="1" dirty="0">
                 <a:solidFill>
@@ -3014,6 +3025,13 @@
                 <a:cs typeface="Times New Roman" panose="02020603050405020304" pitchFamily="18" charset="0"/>
               </a:rPr>
             </a:br>
+            <a:r>
+              <a:rPr lang="en-US" dirty="0">
+                <a:latin typeface="Bookman Old Style" panose="02050604050505020204" pitchFamily="18" charset="0"/>
+                <a:cs typeface="Times New Roman" panose="02020603050405020304" pitchFamily="18" charset="0"/>
+              </a:rPr>
+              <a:t/>
+            </a:r>
             <a:br>
               <a:rPr lang="en-US" dirty="0">
                 <a:latin typeface="Bookman Old Style" panose="02050604050505020204" pitchFamily="18" charset="0"/>
@@ -3029,6 +3047,13 @@
                 <a:cs typeface="Times New Roman" panose="02020603050405020304" pitchFamily="18" charset="0"/>
               </a:rPr>
               <a:t>Md. Alamgir Hossain</a:t>
+            </a:r>
+            <a:r>
+              <a:rPr lang="en-US" dirty="0">
+                <a:latin typeface="Bookman Old Style" panose="02050604050505020204" pitchFamily="18" charset="0"/>
+                <a:cs typeface="Times New Roman" panose="02020603050405020304" pitchFamily="18" charset="0"/>
+              </a:rPr>
+              <a:t/>
             </a:r>
             <a:br>
               <a:rPr lang="en-US" dirty="0">
@@ -3060,6 +3085,16 @@
                 <a:cs typeface="Times New Roman" panose="02020603050405020304" pitchFamily="18" charset="0"/>
               </a:rPr>
               <a:t>Dept. of CSE, Prime University</a:t>
+            </a:r>
+            <a:r>
+              <a:rPr lang="en-US" b="1" dirty="0">
+                <a:solidFill>
+                  <a:srgbClr val="7030A0"/>
+                </a:solidFill>
+                <a:latin typeface="Bookman Old Style" panose="02050604050505020204" pitchFamily="18" charset="0"/>
+                <a:cs typeface="Times New Roman" panose="02020603050405020304" pitchFamily="18" charset="0"/>
+              </a:rPr>
+              <a:t/>
             </a:r>
             <a:br>
               <a:rPr lang="en-US" b="1" dirty="0">
@@ -3425,7 +3460,7 @@
           <p:cNvPr id="4" name="Picture 3">
             <a:extLst>
               <a:ext uri="{FF2B5EF4-FFF2-40B4-BE49-F238E27FC236}">
-                <a16:creationId xmlns:a16="http://schemas.microsoft.com/office/drawing/2014/main" id="{51357AB4-84E4-E3F3-9B0E-D3534A110CBF}"/>
+                <a16:creationId xmlns:a16="http://schemas.microsoft.com/office/drawing/2014/main" xmlns="" id="{51357AB4-84E4-E3F3-9B0E-D3534A110CBF}"/>
               </a:ext>
             </a:extLst>
           </p:cNvPr>
@@ -4133,7 +4168,7 @@
           <p:cNvPr id="4" name="Table 4">
             <a:extLst>
               <a:ext uri="{FF2B5EF4-FFF2-40B4-BE49-F238E27FC236}">
-                <a16:creationId xmlns:a16="http://schemas.microsoft.com/office/drawing/2014/main" id="{0B853973-EFCC-7A4E-3A42-400523026217}"/>
+                <a16:creationId xmlns:a16="http://schemas.microsoft.com/office/drawing/2014/main" xmlns="" id="{0B853973-EFCC-7A4E-3A42-400523026217}"/>
               </a:ext>
             </a:extLst>
           </p:cNvPr>
@@ -4162,28 +4197,28 @@
                 <a:gridCol w="2032000">
                   <a:extLst>
                     <a:ext uri="{9D8B030D-6E8A-4147-A177-3AD203B41FA5}">
-                      <a16:colId xmlns:a16="http://schemas.microsoft.com/office/drawing/2014/main" val="1598920129"/>
+                      <a16:colId xmlns:a16="http://schemas.microsoft.com/office/drawing/2014/main" xmlns="" val="1598920129"/>
                     </a:ext>
                   </a:extLst>
                 </a:gridCol>
                 <a:gridCol w="2032000">
                   <a:extLst>
                     <a:ext uri="{9D8B030D-6E8A-4147-A177-3AD203B41FA5}">
-                      <a16:colId xmlns:a16="http://schemas.microsoft.com/office/drawing/2014/main" val="1585541439"/>
+                      <a16:colId xmlns:a16="http://schemas.microsoft.com/office/drawing/2014/main" xmlns="" val="1585541439"/>
                     </a:ext>
                   </a:extLst>
                 </a:gridCol>
                 <a:gridCol w="2032000">
                   <a:extLst>
                     <a:ext uri="{9D8B030D-6E8A-4147-A177-3AD203B41FA5}">
-                      <a16:colId xmlns:a16="http://schemas.microsoft.com/office/drawing/2014/main" val="1829821766"/>
+                      <a16:colId xmlns:a16="http://schemas.microsoft.com/office/drawing/2014/main" xmlns="" val="1829821766"/>
                     </a:ext>
                   </a:extLst>
                 </a:gridCol>
                 <a:gridCol w="2032000">
                   <a:extLst>
                     <a:ext uri="{9D8B030D-6E8A-4147-A177-3AD203B41FA5}">
-                      <a16:colId xmlns:a16="http://schemas.microsoft.com/office/drawing/2014/main" val="1284843413"/>
+                      <a16:colId xmlns:a16="http://schemas.microsoft.com/office/drawing/2014/main" xmlns="" val="1284843413"/>
                     </a:ext>
                   </a:extLst>
                 </a:gridCol>
@@ -4259,7 +4294,7 @@
                 </a:tc>
                 <a:extLst>
                   <a:ext uri="{0D108BD9-81ED-4DB2-BD59-A6C34878D82A}">
-                    <a16:rowId xmlns:a16="http://schemas.microsoft.com/office/drawing/2014/main" val="2409562706"/>
+                    <a16:rowId xmlns:a16="http://schemas.microsoft.com/office/drawing/2014/main" xmlns="" val="2409562706"/>
                   </a:ext>
                 </a:extLst>
               </a:tr>
@@ -4334,7 +4369,7 @@
                 </a:tc>
                 <a:extLst>
                   <a:ext uri="{0D108BD9-81ED-4DB2-BD59-A6C34878D82A}">
-                    <a16:rowId xmlns:a16="http://schemas.microsoft.com/office/drawing/2014/main" val="3264705040"/>
+                    <a16:rowId xmlns:a16="http://schemas.microsoft.com/office/drawing/2014/main" xmlns="" val="3264705040"/>
                   </a:ext>
                 </a:extLst>
               </a:tr>
@@ -4409,7 +4444,7 @@
                 </a:tc>
                 <a:extLst>
                   <a:ext uri="{0D108BD9-81ED-4DB2-BD59-A6C34878D82A}">
-                    <a16:rowId xmlns:a16="http://schemas.microsoft.com/office/drawing/2014/main" val="866176273"/>
+                    <a16:rowId xmlns:a16="http://schemas.microsoft.com/office/drawing/2014/main" xmlns="" val="866176273"/>
                   </a:ext>
                 </a:extLst>
               </a:tr>
@@ -4484,7 +4519,7 @@
                 </a:tc>
                 <a:extLst>
                   <a:ext uri="{0D108BD9-81ED-4DB2-BD59-A6C34878D82A}">
-                    <a16:rowId xmlns:a16="http://schemas.microsoft.com/office/drawing/2014/main" val="414868846"/>
+                    <a16:rowId xmlns:a16="http://schemas.microsoft.com/office/drawing/2014/main" xmlns="" val="414868846"/>
                   </a:ext>
                 </a:extLst>
               </a:tr>
@@ -4559,7 +4594,7 @@
                 </a:tc>
                 <a:extLst>
                   <a:ext uri="{0D108BD9-81ED-4DB2-BD59-A6C34878D82A}">
-                    <a16:rowId xmlns:a16="http://schemas.microsoft.com/office/drawing/2014/main" val="2054391258"/>
+                    <a16:rowId xmlns:a16="http://schemas.microsoft.com/office/drawing/2014/main" xmlns="" val="2054391258"/>
                   </a:ext>
                 </a:extLst>
               </a:tr>
@@ -4841,7 +4876,7 @@
           <p:cNvPr id="4" name="Table 4">
             <a:extLst>
               <a:ext uri="{FF2B5EF4-FFF2-40B4-BE49-F238E27FC236}">
-                <a16:creationId xmlns:a16="http://schemas.microsoft.com/office/drawing/2014/main" id="{0B853973-EFCC-7A4E-3A42-400523026217}"/>
+                <a16:creationId xmlns:a16="http://schemas.microsoft.com/office/drawing/2014/main" xmlns="" id="{0B853973-EFCC-7A4E-3A42-400523026217}"/>
               </a:ext>
             </a:extLst>
           </p:cNvPr>
@@ -4870,28 +4905,28 @@
                 <a:gridCol w="2032000">
                   <a:extLst>
                     <a:ext uri="{9D8B030D-6E8A-4147-A177-3AD203B41FA5}">
-                      <a16:colId xmlns:a16="http://schemas.microsoft.com/office/drawing/2014/main" val="1598920129"/>
+                      <a16:colId xmlns:a16="http://schemas.microsoft.com/office/drawing/2014/main" xmlns="" val="1598920129"/>
                     </a:ext>
                   </a:extLst>
                 </a:gridCol>
                 <a:gridCol w="2032000">
                   <a:extLst>
                     <a:ext uri="{9D8B030D-6E8A-4147-A177-3AD203B41FA5}">
-                      <a16:colId xmlns:a16="http://schemas.microsoft.com/office/drawing/2014/main" val="1585541439"/>
+                      <a16:colId xmlns:a16="http://schemas.microsoft.com/office/drawing/2014/main" xmlns="" val="1585541439"/>
                     </a:ext>
                   </a:extLst>
                 </a:gridCol>
                 <a:gridCol w="2032000">
                   <a:extLst>
                     <a:ext uri="{9D8B030D-6E8A-4147-A177-3AD203B41FA5}">
-                      <a16:colId xmlns:a16="http://schemas.microsoft.com/office/drawing/2014/main" val="1829821766"/>
+                      <a16:colId xmlns:a16="http://schemas.microsoft.com/office/drawing/2014/main" xmlns="" val="1829821766"/>
                     </a:ext>
                   </a:extLst>
                 </a:gridCol>
                 <a:gridCol w="2032000">
                   <a:extLst>
                     <a:ext uri="{9D8B030D-6E8A-4147-A177-3AD203B41FA5}">
-                      <a16:colId xmlns:a16="http://schemas.microsoft.com/office/drawing/2014/main" val="1284843413"/>
+                      <a16:colId xmlns:a16="http://schemas.microsoft.com/office/drawing/2014/main" xmlns="" val="1284843413"/>
                     </a:ext>
                   </a:extLst>
                 </a:gridCol>
@@ -4967,7 +5002,7 @@
                 </a:tc>
                 <a:extLst>
                   <a:ext uri="{0D108BD9-81ED-4DB2-BD59-A6C34878D82A}">
-                    <a16:rowId xmlns:a16="http://schemas.microsoft.com/office/drawing/2014/main" val="2409562706"/>
+                    <a16:rowId xmlns:a16="http://schemas.microsoft.com/office/drawing/2014/main" xmlns="" val="2409562706"/>
                   </a:ext>
                 </a:extLst>
               </a:tr>
@@ -5042,7 +5077,7 @@
                 </a:tc>
                 <a:extLst>
                   <a:ext uri="{0D108BD9-81ED-4DB2-BD59-A6C34878D82A}">
-                    <a16:rowId xmlns:a16="http://schemas.microsoft.com/office/drawing/2014/main" val="3264705040"/>
+                    <a16:rowId xmlns:a16="http://schemas.microsoft.com/office/drawing/2014/main" xmlns="" val="3264705040"/>
                   </a:ext>
                 </a:extLst>
               </a:tr>
@@ -5117,7 +5152,7 @@
                 </a:tc>
                 <a:extLst>
                   <a:ext uri="{0D108BD9-81ED-4DB2-BD59-A6C34878D82A}">
-                    <a16:rowId xmlns:a16="http://schemas.microsoft.com/office/drawing/2014/main" val="866176273"/>
+                    <a16:rowId xmlns:a16="http://schemas.microsoft.com/office/drawing/2014/main" xmlns="" val="866176273"/>
                   </a:ext>
                 </a:extLst>
               </a:tr>
@@ -5192,7 +5227,7 @@
                 </a:tc>
                 <a:extLst>
                   <a:ext uri="{0D108BD9-81ED-4DB2-BD59-A6C34878D82A}">
-                    <a16:rowId xmlns:a16="http://schemas.microsoft.com/office/drawing/2014/main" val="414868846"/>
+                    <a16:rowId xmlns:a16="http://schemas.microsoft.com/office/drawing/2014/main" xmlns="" val="414868846"/>
                   </a:ext>
                 </a:extLst>
               </a:tr>
@@ -5267,7 +5302,7 @@
                 </a:tc>
                 <a:extLst>
                   <a:ext uri="{0D108BD9-81ED-4DB2-BD59-A6C34878D82A}">
-                    <a16:rowId xmlns:a16="http://schemas.microsoft.com/office/drawing/2014/main" val="2054391258"/>
+                    <a16:rowId xmlns:a16="http://schemas.microsoft.com/office/drawing/2014/main" xmlns="" val="2054391258"/>
                   </a:ext>
                 </a:extLst>
               </a:tr>
@@ -5670,7 +5705,7 @@
           <p:cNvPr id="4" name="Table 4">
             <a:extLst>
               <a:ext uri="{FF2B5EF4-FFF2-40B4-BE49-F238E27FC236}">
-                <a16:creationId xmlns:a16="http://schemas.microsoft.com/office/drawing/2014/main" id="{84367C85-7AC2-4E47-A8F9-CB7C3EBDC8B9}"/>
+                <a16:creationId xmlns:a16="http://schemas.microsoft.com/office/drawing/2014/main" xmlns="" id="{84367C85-7AC2-4E47-A8F9-CB7C3EBDC8B9}"/>
               </a:ext>
             </a:extLst>
           </p:cNvPr>
@@ -5681,14 +5716,14 @@
             <p:ph idx="1"/>
             <p:extLst>
               <p:ext uri="{D42A27DB-BD31-4B8C-83A1-F6EECF244321}">
-                <p14:modId xmlns:p14="http://schemas.microsoft.com/office/powerpoint/2010/main" val="2204147716"/>
+                <p14:modId xmlns:p14="http://schemas.microsoft.com/office/powerpoint/2010/main" val="3647873667"/>
               </p:ext>
             </p:extLst>
           </p:nvPr>
         </p:nvGraphicFramePr>
         <p:xfrm>
           <a:off x="838200" y="1825625"/>
-          <a:ext cx="10515600" cy="5303520"/>
+          <a:ext cx="10515600" cy="4754880"/>
         </p:xfrm>
         <a:graphic>
           <a:graphicData uri="http://schemas.openxmlformats.org/drawingml/2006/table">
@@ -5700,14 +5735,14 @@
                 <a:gridCol w="5257800">
                   <a:extLst>
                     <a:ext uri="{9D8B030D-6E8A-4147-A177-3AD203B41FA5}">
-                      <a16:colId xmlns:a16="http://schemas.microsoft.com/office/drawing/2014/main" val="813386889"/>
+                      <a16:colId xmlns:a16="http://schemas.microsoft.com/office/drawing/2014/main" xmlns="" val="813386889"/>
                     </a:ext>
                   </a:extLst>
                 </a:gridCol>
                 <a:gridCol w="5257800">
                   <a:extLst>
                     <a:ext uri="{9D8B030D-6E8A-4147-A177-3AD203B41FA5}">
-                      <a16:colId xmlns:a16="http://schemas.microsoft.com/office/drawing/2014/main" val="755163147"/>
+                      <a16:colId xmlns:a16="http://schemas.microsoft.com/office/drawing/2014/main" xmlns="" val="755163147"/>
                     </a:ext>
                   </a:extLst>
                 </a:gridCol>
@@ -5720,7 +5755,7 @@
                     <a:p>
                       <a:pPr algn="ctr"/>
                       <a:r>
-                        <a:rPr lang="en-US" sz="2400" dirty="0">
+                        <a:rPr lang="en-US" sz="2000" dirty="0">
                           <a:latin typeface="Bookman Old Style" panose="02050604050505020204" pitchFamily="18" charset="0"/>
                           <a:cs typeface="Times New Roman" panose="02020603050405020304" pitchFamily="18" charset="0"/>
                         </a:rPr>
@@ -5737,7 +5772,7 @@
                     <a:p>
                       <a:pPr algn="ctr"/>
                       <a:r>
-                        <a:rPr lang="en-US" sz="2400" dirty="0">
+                        <a:rPr lang="en-US" sz="2000" dirty="0">
                           <a:latin typeface="Bookman Old Style" panose="02050604050505020204" pitchFamily="18" charset="0"/>
                           <a:cs typeface="Times New Roman" panose="02020603050405020304" pitchFamily="18" charset="0"/>
                         </a:rPr>
@@ -5749,7 +5784,7 @@
                 </a:tc>
                 <a:extLst>
                   <a:ext uri="{0D108BD9-81ED-4DB2-BD59-A6C34878D82A}">
-                    <a16:rowId xmlns:a16="http://schemas.microsoft.com/office/drawing/2014/main" val="1216499886"/>
+                    <a16:rowId xmlns:a16="http://schemas.microsoft.com/office/drawing/2014/main" xmlns="" val="1216499886"/>
                   </a:ext>
                 </a:extLst>
               </a:tr>
@@ -5761,7 +5796,7 @@
                     <a:p>
                       <a:pPr algn="just"/>
                       <a:r>
-                        <a:rPr lang="en-US" dirty="0">
+                        <a:rPr lang="en-US" sz="1600" dirty="0">
                           <a:latin typeface="Bookman Old Style" panose="02050604050505020204" pitchFamily="18" charset="0"/>
                           <a:cs typeface="Times New Roman" panose="02020603050405020304" pitchFamily="18" charset="0"/>
                         </a:rPr>
@@ -5778,7 +5813,7 @@
                     <a:p>
                       <a:pPr algn="just"/>
                       <a:r>
-                        <a:rPr lang="en-US" dirty="0">
+                        <a:rPr lang="en-US" sz="1600" dirty="0">
                           <a:latin typeface="Bookman Old Style" panose="02050604050505020204" pitchFamily="18" charset="0"/>
                           <a:cs typeface="Times New Roman" panose="02020603050405020304" pitchFamily="18" charset="0"/>
                         </a:rPr>
@@ -5790,7 +5825,7 @@
                 </a:tc>
                 <a:extLst>
                   <a:ext uri="{0D108BD9-81ED-4DB2-BD59-A6C34878D82A}">
-                    <a16:rowId xmlns:a16="http://schemas.microsoft.com/office/drawing/2014/main" val="3275507380"/>
+                    <a16:rowId xmlns:a16="http://schemas.microsoft.com/office/drawing/2014/main" xmlns="" val="3275507380"/>
                   </a:ext>
                 </a:extLst>
               </a:tr>
@@ -5801,15 +5836,23 @@
                     <a:lstStyle/>
                     <a:p>
                       <a:pPr algn="just" fontAlgn="base"/>
+                      <a:r>
+                        <a:rPr lang="en-US" sz="1600" b="0" dirty="0">
+                          <a:effectLst/>
+                          <a:latin typeface="Bookman Old Style" panose="02050604050505020204" pitchFamily="18" charset="0"/>
+                          <a:cs typeface="Times New Roman" panose="02020603050405020304" pitchFamily="18" charset="0"/>
+                        </a:rPr>
+                        <a:t/>
+                      </a:r>
                       <a:br>
-                        <a:rPr lang="en-US" b="0" dirty="0">
+                        <a:rPr lang="en-US" sz="1600" b="0" dirty="0">
                           <a:effectLst/>
                           <a:latin typeface="Bookman Old Style" panose="02050604050505020204" pitchFamily="18" charset="0"/>
                           <a:cs typeface="Times New Roman" panose="02020603050405020304" pitchFamily="18" charset="0"/>
                         </a:rPr>
                       </a:br>
                       <a:r>
-                        <a:rPr lang="en-US" b="0" dirty="0">
+                        <a:rPr lang="en-US" sz="1600" b="0" dirty="0">
                           <a:effectLst/>
                           <a:latin typeface="Bookman Old Style" panose="02050604050505020204" pitchFamily="18" charset="0"/>
                           <a:cs typeface="Times New Roman" panose="02020603050405020304" pitchFamily="18" charset="0"/>
@@ -5827,7 +5870,7 @@
                     <a:p>
                       <a:pPr algn="just" fontAlgn="base"/>
                       <a:r>
-                        <a:rPr lang="en-US" b="0" dirty="0">
+                        <a:rPr lang="en-US" sz="1600" b="0" dirty="0">
                           <a:effectLst/>
                           <a:latin typeface="Bookman Old Style" panose="02050604050505020204" pitchFamily="18" charset="0"/>
                           <a:cs typeface="Times New Roman" panose="02020603050405020304" pitchFamily="18" charset="0"/>
@@ -5840,7 +5883,7 @@
                 </a:tc>
                 <a:extLst>
                   <a:ext uri="{0D108BD9-81ED-4DB2-BD59-A6C34878D82A}">
-                    <a16:rowId xmlns:a16="http://schemas.microsoft.com/office/drawing/2014/main" val="2116923500"/>
+                    <a16:rowId xmlns:a16="http://schemas.microsoft.com/office/drawing/2014/main" xmlns="" val="2116923500"/>
                   </a:ext>
                 </a:extLst>
               </a:tr>
@@ -5851,15 +5894,23 @@
                     <a:lstStyle/>
                     <a:p>
                       <a:pPr algn="just" fontAlgn="base"/>
+                      <a:r>
+                        <a:rPr lang="en-US" sz="1600" b="0" dirty="0">
+                          <a:effectLst/>
+                          <a:latin typeface="Bookman Old Style" panose="02050604050505020204" pitchFamily="18" charset="0"/>
+                          <a:cs typeface="Times New Roman" panose="02020603050405020304" pitchFamily="18" charset="0"/>
+                        </a:rPr>
+                        <a:t/>
+                      </a:r>
                       <a:br>
-                        <a:rPr lang="en-US" b="0" dirty="0">
+                        <a:rPr lang="en-US" sz="1600" b="0" dirty="0">
                           <a:effectLst/>
                           <a:latin typeface="Bookman Old Style" panose="02050604050505020204" pitchFamily="18" charset="0"/>
                           <a:cs typeface="Times New Roman" panose="02020603050405020304" pitchFamily="18" charset="0"/>
                         </a:rPr>
                       </a:br>
                       <a:r>
-                        <a:rPr lang="en-US" b="0" dirty="0">
+                        <a:rPr lang="en-US" sz="1600" b="0" dirty="0">
                           <a:effectLst/>
                           <a:latin typeface="Bookman Old Style" panose="02050604050505020204" pitchFamily="18" charset="0"/>
                           <a:cs typeface="Times New Roman" panose="02020603050405020304" pitchFamily="18" charset="0"/>
@@ -5877,7 +5928,7 @@
                     <a:p>
                       <a:pPr algn="just" fontAlgn="base"/>
                       <a:r>
-                        <a:rPr lang="en-US" b="0" dirty="0">
+                        <a:rPr lang="en-US" sz="1600" b="0" dirty="0">
                           <a:effectLst/>
                           <a:latin typeface="Bookman Old Style" panose="02050604050505020204" pitchFamily="18" charset="0"/>
                           <a:cs typeface="Times New Roman" panose="02020603050405020304" pitchFamily="18" charset="0"/>
@@ -5890,7 +5941,7 @@
                 </a:tc>
                 <a:extLst>
                   <a:ext uri="{0D108BD9-81ED-4DB2-BD59-A6C34878D82A}">
-                    <a16:rowId xmlns:a16="http://schemas.microsoft.com/office/drawing/2014/main" val="1400541674"/>
+                    <a16:rowId xmlns:a16="http://schemas.microsoft.com/office/drawing/2014/main" xmlns="" val="1400541674"/>
                   </a:ext>
                 </a:extLst>
               </a:tr>
@@ -5902,7 +5953,7 @@
                     <a:p>
                       <a:pPr algn="just" fontAlgn="base"/>
                       <a:r>
-                        <a:rPr lang="en-US" b="0" dirty="0">
+                        <a:rPr lang="en-US" sz="1600" b="0" dirty="0">
                           <a:effectLst/>
                           <a:latin typeface="Bookman Old Style" panose="02050604050505020204" pitchFamily="18" charset="0"/>
                           <a:cs typeface="Times New Roman" panose="02020603050405020304" pitchFamily="18" charset="0"/>
@@ -5920,7 +5971,7 @@
                     <a:p>
                       <a:pPr algn="just" fontAlgn="base"/>
                       <a:r>
-                        <a:rPr lang="en-US" b="0" dirty="0">
+                        <a:rPr lang="en-US" sz="1600" b="0" dirty="0">
                           <a:effectLst/>
                           <a:latin typeface="Bookman Old Style" panose="02050604050505020204" pitchFamily="18" charset="0"/>
                           <a:cs typeface="Times New Roman" panose="02020603050405020304" pitchFamily="18" charset="0"/>
@@ -5933,7 +5984,7 @@
                 </a:tc>
                 <a:extLst>
                   <a:ext uri="{0D108BD9-81ED-4DB2-BD59-A6C34878D82A}">
-                    <a16:rowId xmlns:a16="http://schemas.microsoft.com/office/drawing/2014/main" val="2304936082"/>
+                    <a16:rowId xmlns:a16="http://schemas.microsoft.com/office/drawing/2014/main" xmlns="" val="2304936082"/>
                   </a:ext>
                 </a:extLst>
               </a:tr>
@@ -5945,7 +5996,7 @@
                     <a:p>
                       <a:pPr algn="just" fontAlgn="base"/>
                       <a:r>
-                        <a:rPr lang="en-US" b="0" dirty="0">
+                        <a:rPr lang="en-US" sz="1600" b="0" dirty="0">
                           <a:effectLst/>
                           <a:latin typeface="Bookman Old Style" panose="02050604050505020204" pitchFamily="18" charset="0"/>
                           <a:cs typeface="Times New Roman" panose="02020603050405020304" pitchFamily="18" charset="0"/>
@@ -5963,7 +6014,7 @@
                     <a:p>
                       <a:pPr algn="just" fontAlgn="base"/>
                       <a:r>
-                        <a:rPr lang="en-US" b="0" dirty="0">
+                        <a:rPr lang="en-US" sz="1600" b="0" dirty="0">
                           <a:effectLst/>
                           <a:latin typeface="Bookman Old Style" panose="02050604050505020204" pitchFamily="18" charset="0"/>
                           <a:cs typeface="Times New Roman" panose="02020603050405020304" pitchFamily="18" charset="0"/>
@@ -5976,7 +6027,7 @@
                 </a:tc>
                 <a:extLst>
                   <a:ext uri="{0D108BD9-81ED-4DB2-BD59-A6C34878D82A}">
-                    <a16:rowId xmlns:a16="http://schemas.microsoft.com/office/drawing/2014/main" val="4038748387"/>
+                    <a16:rowId xmlns:a16="http://schemas.microsoft.com/office/drawing/2014/main" xmlns="" val="4038748387"/>
                   </a:ext>
                 </a:extLst>
               </a:tr>
@@ -6016,14 +6067,188 @@
       </p:grpSpPr>
       <p:sp>
         <p:nvSpPr>
+          <p:cNvPr id="2" name="Title 1"/>
+          <p:cNvSpPr>
+            <a:spLocks noGrp="1"/>
+          </p:cNvSpPr>
+          <p:nvPr>
+            <p:ph type="title"/>
+          </p:nvPr>
+        </p:nvSpPr>
+        <p:spPr>
+          <a:xfrm>
+            <a:off x="838200" y="365125"/>
+            <a:ext cx="10515600" cy="1185379"/>
+          </a:xfrm>
+        </p:spPr>
+        <p:txBody>
+          <a:bodyPr>
+            <a:normAutofit/>
+          </a:bodyPr>
+          <a:lstStyle/>
+          <a:p>
+            <a:pPr algn="ctr"/>
+            <a:r>
+              <a:rPr lang="en-SG" altLang="en-US" sz="3600" b="1" dirty="0" smtClean="0">
+                <a:solidFill>
+                  <a:srgbClr val="002060"/>
+                </a:solidFill>
+                <a:latin typeface="Bookman Old Style" panose="02050604050505020204" pitchFamily="18" charset="0"/>
+                <a:cs typeface="Times New Roman" panose="02020603050405020304" pitchFamily="18" charset="0"/>
+              </a:rPr>
+              <a:t>Brute Force Attack</a:t>
+            </a:r>
+            <a:endParaRPr lang="en-US" sz="3600" b="1" dirty="0">
+              <a:solidFill>
+                <a:srgbClr val="002060"/>
+              </a:solidFill>
+              <a:latin typeface="Bookman Old Style" panose="02050604050505020204" pitchFamily="18" charset="0"/>
+              <a:cs typeface="Times New Roman" panose="02020603050405020304" pitchFamily="18" charset="0"/>
+            </a:endParaRPr>
+          </a:p>
+        </p:txBody>
+      </p:sp>
+      <p:sp>
+        <p:nvSpPr>
+          <p:cNvPr id="3" name="Content Placeholder 2"/>
+          <p:cNvSpPr>
+            <a:spLocks noGrp="1"/>
+          </p:cNvSpPr>
+          <p:nvPr>
+            <p:ph idx="1"/>
+          </p:nvPr>
+        </p:nvSpPr>
+        <p:spPr>
+          <a:xfrm>
+            <a:off x="838200" y="1550504"/>
+            <a:ext cx="10515600" cy="5208105"/>
+          </a:xfrm>
+        </p:spPr>
+        <p:txBody>
+          <a:bodyPr>
+            <a:normAutofit/>
+          </a:bodyPr>
+          <a:lstStyle/>
+          <a:p>
+            <a:pPr algn="just">
+              <a:buClr>
+                <a:srgbClr val="002060"/>
+              </a:buClr>
+              <a:buSzPct val="150000"/>
+              <a:buBlip>
+                <a:blip r:embed="rId2"/>
+              </a:buBlip>
+            </a:pPr>
+            <a:r>
+              <a:rPr lang="en-US" sz="2400" dirty="0">
+                <a:latin typeface="Bookman Old Style" panose="02050604050505020204" pitchFamily="18" charset="0"/>
+                <a:cs typeface="Times New Roman" panose="02020603050405020304" pitchFamily="18" charset="0"/>
+              </a:rPr>
+              <a:t>A brute force attack is a type of </a:t>
+            </a:r>
+            <a:r>
+              <a:rPr lang="en-US" sz="2400" dirty="0" err="1">
+                <a:latin typeface="Bookman Old Style" panose="02050604050505020204" pitchFamily="18" charset="0"/>
+                <a:cs typeface="Times New Roman" panose="02020603050405020304" pitchFamily="18" charset="0"/>
+              </a:rPr>
+              <a:t>cyberattack</a:t>
+            </a:r>
+            <a:r>
+              <a:rPr lang="en-US" sz="2400" dirty="0">
+                <a:latin typeface="Bookman Old Style" panose="02050604050505020204" pitchFamily="18" charset="0"/>
+                <a:cs typeface="Times New Roman" panose="02020603050405020304" pitchFamily="18" charset="0"/>
+              </a:rPr>
+              <a:t> in which an attacker </a:t>
+            </a:r>
+            <a:r>
+              <a:rPr lang="en-US" sz="2400" b="1" i="1" dirty="0">
+                <a:solidFill>
+                  <a:srgbClr val="002060"/>
+                </a:solidFill>
+                <a:latin typeface="Bookman Old Style" panose="02050604050505020204" pitchFamily="18" charset="0"/>
+                <a:cs typeface="Times New Roman" panose="02020603050405020304" pitchFamily="18" charset="0"/>
+              </a:rPr>
+              <a:t>tries to crack a password or encryption key by systematically trying every possible combination of characters</a:t>
+            </a:r>
+            <a:r>
+              <a:rPr lang="en-US" sz="2400" dirty="0">
+                <a:latin typeface="Bookman Old Style" panose="02050604050505020204" pitchFamily="18" charset="0"/>
+                <a:cs typeface="Times New Roman" panose="02020603050405020304" pitchFamily="18" charset="0"/>
+              </a:rPr>
+              <a:t> until the correct one is found. This type of attack can be used to gain unauthorized access to systems, networks, and accounts</a:t>
+            </a:r>
+            <a:r>
+              <a:rPr lang="en-US" sz="2400" dirty="0" smtClean="0">
+                <a:latin typeface="Bookman Old Style" panose="02050604050505020204" pitchFamily="18" charset="0"/>
+                <a:cs typeface="Times New Roman" panose="02020603050405020304" pitchFamily="18" charset="0"/>
+              </a:rPr>
+              <a:t>.</a:t>
+            </a:r>
+          </a:p>
+          <a:p>
+            <a:pPr algn="just">
+              <a:buClr>
+                <a:srgbClr val="002060"/>
+              </a:buClr>
+              <a:buSzPct val="150000"/>
+              <a:buBlip>
+                <a:blip r:embed="rId2"/>
+              </a:buBlip>
+            </a:pPr>
+            <a:r>
+              <a:rPr lang="en-US" sz="2400" dirty="0">
+                <a:latin typeface="Bookman Old Style" panose="02050604050505020204" pitchFamily="18" charset="0"/>
+                <a:cs typeface="Times New Roman" panose="02020603050405020304" pitchFamily="18" charset="0"/>
+              </a:rPr>
+              <a:t>To prevent brute force attacks, it is important to use strong passwords that are difficult to guess, and to use two-factor authentication whenever possible. It is also important to keep software and systems up-to-date with the latest security patches to prevent attackers from exploiting known vulnerabilities.</a:t>
+            </a:r>
+            <a:endParaRPr lang="en-US" sz="2400" dirty="0">
+              <a:latin typeface="Bookman Old Style" panose="02050604050505020204" pitchFamily="18" charset="0"/>
+              <a:cs typeface="Times New Roman" panose="02020603050405020304" pitchFamily="18" charset="0"/>
+            </a:endParaRPr>
+          </a:p>
+        </p:txBody>
+      </p:sp>
+    </p:spTree>
+    <p:extLst>
+      <p:ext uri="{BB962C8B-B14F-4D97-AF65-F5344CB8AC3E}">
+        <p14:creationId xmlns:p14="http://schemas.microsoft.com/office/powerpoint/2010/main" val="2625925959"/>
+      </p:ext>
+    </p:extLst>
+  </p:cSld>
+  <p:clrMapOvr>
+    <a:masterClrMapping/>
+  </p:clrMapOvr>
+</p:sld>
+</file>
+
+<file path=ppt/slides/slide19.xml><?xml version="1.0" encoding="utf-8"?>
+<p:sld xmlns:a="http://schemas.openxmlformats.org/drawingml/2006/main" xmlns:r="http://schemas.openxmlformats.org/officeDocument/2006/relationships" xmlns:p="http://schemas.openxmlformats.org/presentationml/2006/main">
+  <p:cSld>
+    <p:spTree>
+      <p:nvGrpSpPr>
+        <p:cNvPr id="1" name=""/>
+        <p:cNvGrpSpPr/>
+        <p:nvPr/>
+      </p:nvGrpSpPr>
+      <p:grpSpPr>
+        <a:xfrm>
+          <a:off x="0" y="0"/>
+          <a:ext cx="0" cy="0"/>
+          <a:chOff x="0" y="0"/>
+          <a:chExt cx="0" cy="0"/>
+        </a:xfrm>
+      </p:grpSpPr>
+      <p:sp>
+        <p:nvSpPr>
           <p:cNvPr id="2" name="TextBox 1"/>
           <p:cNvSpPr txBox="1"/>
           <p:nvPr/>
         </p:nvSpPr>
         <p:spPr>
           <a:xfrm>
-            <a:off x="2637183" y="2557669"/>
-            <a:ext cx="7275443" cy="3631763"/>
+            <a:off x="1802296" y="2239617"/>
+            <a:ext cx="8534400" cy="1862048"/>
           </a:xfrm>
           <a:prstGeom prst="rect">
             <a:avLst/>
@@ -6466,7 +6691,24 @@
                 <a:latin typeface="Bookman Old Style" panose="02050604050505020204" pitchFamily="18" charset="0"/>
                 <a:cs typeface="Times New Roman" panose="02020603050405020304" pitchFamily="18" charset="0"/>
               </a:rPr>
-              <a:t>The rail fence cipher (also called a zigzag cipher) is a form of transposition cipher. </a:t>
+              <a:t>The rail fence cipher </a:t>
+            </a:r>
+            <a:r>
+              <a:rPr lang="en-US" sz="2400" b="1" i="1" dirty="0">
+                <a:solidFill>
+                  <a:srgbClr val="002060"/>
+                </a:solidFill>
+                <a:latin typeface="Bookman Old Style" panose="02050604050505020204" pitchFamily="18" charset="0"/>
+                <a:cs typeface="Times New Roman" panose="02020603050405020304" pitchFamily="18" charset="0"/>
+              </a:rPr>
+              <a:t>(also called a zigzag cipher) </a:t>
+            </a:r>
+            <a:r>
+              <a:rPr lang="en-US" sz="2400" dirty="0">
+                <a:latin typeface="Bookman Old Style" panose="02050604050505020204" pitchFamily="18" charset="0"/>
+                <a:cs typeface="Times New Roman" panose="02020603050405020304" pitchFamily="18" charset="0"/>
+              </a:rPr>
+              <a:t>is a form of transposition cipher. </a:t>
             </a:r>
           </a:p>
           <a:p>
@@ -6656,8 +6898,19 @@
                 <a:latin typeface="Bookman Old Style" panose="02050604050505020204" pitchFamily="18" charset="0"/>
                 <a:cs typeface="Times New Roman" panose="02020603050405020304" pitchFamily="18" charset="0"/>
               </a:rPr>
-              <a:t>Plain Text: meet me Tomorrow</a:t>
-            </a:r>
+              <a:t>Plain Text: meet me </a:t>
+            </a:r>
+            <a:r>
+              <a:rPr lang="en-US" sz="2400" dirty="0" smtClean="0">
+                <a:latin typeface="Bookman Old Style" panose="02050604050505020204" pitchFamily="18" charset="0"/>
+                <a:cs typeface="Times New Roman" panose="02020603050405020304" pitchFamily="18" charset="0"/>
+              </a:rPr>
+              <a:t>tomorrow</a:t>
+            </a:r>
+            <a:endParaRPr lang="en-US" sz="2400" dirty="0">
+              <a:latin typeface="Bookman Old Style" panose="02050604050505020204" pitchFamily="18" charset="0"/>
+              <a:cs typeface="Times New Roman" panose="02020603050405020304" pitchFamily="18" charset="0"/>
+            </a:endParaRPr>
           </a:p>
           <a:p>
             <a:pPr algn="just">
@@ -6775,7 +7028,7 @@
           <p:cNvPr id="1026" name="Picture 2" descr="rail fence transposition technique">
             <a:extLst>
               <a:ext uri="{FF2B5EF4-FFF2-40B4-BE49-F238E27FC236}">
-                <a16:creationId xmlns:a16="http://schemas.microsoft.com/office/drawing/2014/main" id="{6F1C3F0A-D56E-BCCF-C54B-71EFAE5B4935}"/>
+                <a16:creationId xmlns:a16="http://schemas.microsoft.com/office/drawing/2014/main" xmlns="" id="{6F1C3F0A-D56E-BCCF-C54B-71EFAE5B4935}"/>
               </a:ext>
             </a:extLst>
           </p:cNvPr>
@@ -7544,7 +7797,7 @@
           <p:cNvPr id="4" name="Content Placeholder 6">
             <a:extLst>
               <a:ext uri="{FF2B5EF4-FFF2-40B4-BE49-F238E27FC236}">
-                <a16:creationId xmlns:a16="http://schemas.microsoft.com/office/drawing/2014/main" id="{BB792F8F-FF86-0B04-7E37-C052B90A1319}"/>
+                <a16:creationId xmlns:a16="http://schemas.microsoft.com/office/drawing/2014/main" xmlns="" id="{BB792F8F-FF86-0B04-7E37-C052B90A1319}"/>
               </a:ext>
             </a:extLst>
           </p:cNvPr>
